--- a/presentations/1_Python101_(basic_pyhton).pptx
+++ b/presentations/1_Python101_(basic_pyhton).pptx
@@ -246,7 +246,7 @@
             <a:fld id="{E9CA654E-EBD9-4CE9-AAD0-9BCA047E2E1D}" type="datetimeFigureOut">
               <a:rPr lang="ko-KR" altLang="en-US" smtClean="0"/>
               <a:pPr/>
-              <a:t>2016. 8. 6.</a:t>
+              <a:t>2016. 9. 25.</a:t>
             </a:fld>
             <a:endParaRPr lang="ko-KR" altLang="en-US"/>
           </a:p>
@@ -626,7 +626,7 @@
                 <a:ea typeface="Meiryo UI" pitchFamily="34" charset="-128"/>
               </a:rPr>
               <a:pPr/>
-              <a:t>Saturday, August 6, 2016</a:t>
+              <a:t>Sunday, September 25, 2016</a:t>
             </a:fld>
             <a:endParaRPr lang="ko-KR" altLang="en-US" dirty="0"/>
           </a:p>
@@ -758,7 +758,7 @@
             <a:fld id="{33A0F7CB-10CC-4FA0-AAB7-60557755851D}" type="datetime1">
               <a:rPr lang="ko-KR" altLang="en-US" smtClean="0"/>
               <a:pPr/>
-              <a:t>2016. 8. 6.</a:t>
+              <a:t>2016. 9. 25.</a:t>
             </a:fld>
             <a:endParaRPr lang="ko-KR" altLang="en-US"/>
           </a:p>
@@ -935,7 +935,7 @@
             <a:fld id="{2072E3B2-398D-43A2-9FF0-A5DC47D85F0F}" type="datetime1">
               <a:rPr lang="ko-KR" altLang="en-US" smtClean="0"/>
               <a:pPr/>
-              <a:t>2016. 8. 6.</a:t>
+              <a:t>2016. 9. 25.</a:t>
             </a:fld>
             <a:endParaRPr lang="ko-KR" altLang="en-US"/>
           </a:p>
@@ -1449,7 +1449,7 @@
             <a:fld id="{DAC76C8D-0C64-468D-9E07-BA112BE10A5A}" type="datetime1">
               <a:rPr lang="ko-KR" altLang="en-US" smtClean="0"/>
               <a:pPr/>
-              <a:t>2016. 8. 6.</a:t>
+              <a:t>2016. 9. 25.</a:t>
             </a:fld>
             <a:endParaRPr lang="ko-KR" altLang="en-US"/>
           </a:p>
@@ -1739,7 +1739,7 @@
             <a:fld id="{ABCA1450-90AE-4591-9DA4-2F2C0E29B421}" type="datetime1">
               <a:rPr lang="ko-KR" altLang="en-US" smtClean="0"/>
               <a:pPr/>
-              <a:t>2016. 8. 6.</a:t>
+              <a:t>2016. 9. 25.</a:t>
             </a:fld>
             <a:endParaRPr lang="ko-KR" altLang="en-US"/>
           </a:p>
@@ -2165,7 +2165,7 @@
             <a:fld id="{3170F9C2-910D-48E9-A1D4-06EE9E8CCF11}" type="datetime1">
               <a:rPr lang="ko-KR" altLang="en-US" smtClean="0"/>
               <a:pPr/>
-              <a:t>2016. 8. 6.</a:t>
+              <a:t>2016. 9. 25.</a:t>
             </a:fld>
             <a:endParaRPr lang="ko-KR" altLang="en-US"/>
           </a:p>
@@ -2452,7 +2452,7 @@
             <a:fld id="{0A2BF0E3-3B49-48EE-8E65-6F6B7B05A3E6}" type="datetime1">
               <a:rPr lang="ko-KR" altLang="en-US" smtClean="0"/>
               <a:pPr/>
-              <a:t>2016. 8. 6.</a:t>
+              <a:t>2016. 9. 25.</a:t>
             </a:fld>
             <a:endParaRPr lang="ko-KR" altLang="en-US"/>
           </a:p>
@@ -2726,7 +2726,7 @@
             <a:fld id="{D56EDD30-A8D5-4E8F-A388-D7F8914E7797}" type="datetime1">
               <a:rPr lang="ko-KR" altLang="en-US" smtClean="0"/>
               <a:pPr/>
-              <a:t>2016. 8. 6.</a:t>
+              <a:t>2016. 9. 25.</a:t>
             </a:fld>
             <a:endParaRPr lang="ko-KR" altLang="en-US"/>
           </a:p>
@@ -2976,7 +2976,7 @@
             <a:fld id="{BA001FBA-5EDF-4611-9FD5-552C72983771}" type="datetime1">
               <a:rPr lang="ko-KR" altLang="en-US" smtClean="0"/>
               <a:pPr/>
-              <a:t>2016. 8. 6.</a:t>
+              <a:t>2016. 9. 25.</a:t>
             </a:fld>
             <a:endParaRPr lang="ko-KR" altLang="en-US"/>
           </a:p>
@@ -3186,7 +3186,7 @@
             <a:fld id="{1E3DD4C6-1DC2-4462-9A2C-36CF4FD257E7}" type="datetime1">
               <a:rPr lang="ko-KR" altLang="en-US" smtClean="0"/>
               <a:pPr/>
-              <a:t>2016. 8. 6.</a:t>
+              <a:t>2016. 9. 25.</a:t>
             </a:fld>
             <a:endParaRPr lang="ko-KR" altLang="en-US"/>
           </a:p>
@@ -3637,14 +3637,14 @@
       </p:sp>
       <p:sp>
         <p:nvSpPr>
-          <p:cNvPr id="3" name="직사각형 2"/>
+          <p:cNvPr id="4" name="직사각형 3"/>
           <p:cNvSpPr/>
           <p:nvPr/>
         </p:nvSpPr>
         <p:spPr>
           <a:xfrm>
-            <a:off x="1037492" y="4521314"/>
-            <a:ext cx="7042638" cy="707886"/>
+            <a:off x="1037492" y="4149080"/>
+            <a:ext cx="7042638" cy="954107"/>
           </a:xfrm>
           <a:prstGeom prst="rect">
             <a:avLst/>
@@ -3658,17 +3658,17 @@
           <a:p>
             <a:pPr algn="ctr"/>
             <a:r>
-              <a:rPr lang="en-US" altLang="ko-KR" sz="2000" b="1" dirty="0" smtClean="0"/>
+              <a:rPr lang="en-US" altLang="ko-KR" sz="2800" b="1" dirty="0" smtClean="0"/>
               <a:t>Sungjoon Choi</a:t>
             </a:r>
           </a:p>
           <a:p>
             <a:pPr algn="ctr"/>
             <a:r>
-              <a:rPr lang="en-US" altLang="ko-KR" sz="2000" b="1" dirty="0" smtClean="0"/>
+              <a:rPr lang="en-US" altLang="ko-KR" sz="2800" b="1" dirty="0" smtClean="0"/>
               <a:t>(sungjoon.choi@cpslab.snu.ac.kr)</a:t>
             </a:r>
-            <a:endParaRPr lang="ko-KR" altLang="en-US" sz="2000" dirty="0"/>
+            <a:endParaRPr lang="ko-KR" altLang="en-US" sz="2800" dirty="0"/>
           </a:p>
         </p:txBody>
       </p:sp>
